--- a/docs/images/re-ducks/プレゼンテーション1.pptx
+++ b/docs/images/re-ducks/プレゼンテーション1.pptx
@@ -290,7 +290,7 @@
           <a:p>
             <a:fld id="{FB9783C9-F0FE-448E-99D6-F35CA53B7A08}" type="datetimeFigureOut">
               <a:rPr kumimoji="1" lang="ja-JP" altLang="en-US" smtClean="0"/>
-              <a:t>2020/6/21</a:t>
+              <a:t>2020/7/5</a:t>
             </a:fld>
             <a:endParaRPr kumimoji="1" lang="ja-JP" altLang="en-US"/>
           </a:p>
@@ -492,7 +492,7 @@
           <a:p>
             <a:fld id="{FB9783C9-F0FE-448E-99D6-F35CA53B7A08}" type="datetimeFigureOut">
               <a:rPr kumimoji="1" lang="ja-JP" altLang="en-US" smtClean="0"/>
-              <a:t>2020/6/21</a:t>
+              <a:t>2020/7/5</a:t>
             </a:fld>
             <a:endParaRPr kumimoji="1" lang="ja-JP" altLang="en-US"/>
           </a:p>
@@ -704,7 +704,7 @@
           <a:p>
             <a:fld id="{FB9783C9-F0FE-448E-99D6-F35CA53B7A08}" type="datetimeFigureOut">
               <a:rPr kumimoji="1" lang="ja-JP" altLang="en-US" smtClean="0"/>
-              <a:t>2020/6/21</a:t>
+              <a:t>2020/7/5</a:t>
             </a:fld>
             <a:endParaRPr kumimoji="1" lang="ja-JP" altLang="en-US"/>
           </a:p>
@@ -906,7 +906,7 @@
           <a:p>
             <a:fld id="{FB9783C9-F0FE-448E-99D6-F35CA53B7A08}" type="datetimeFigureOut">
               <a:rPr kumimoji="1" lang="ja-JP" altLang="en-US" smtClean="0"/>
-              <a:t>2020/6/21</a:t>
+              <a:t>2020/7/5</a:t>
             </a:fld>
             <a:endParaRPr kumimoji="1" lang="ja-JP" altLang="en-US"/>
           </a:p>
@@ -1152,7 +1152,7 @@
           <a:p>
             <a:fld id="{FB9783C9-F0FE-448E-99D6-F35CA53B7A08}" type="datetimeFigureOut">
               <a:rPr kumimoji="1" lang="ja-JP" altLang="en-US" smtClean="0"/>
-              <a:t>2020/6/21</a:t>
+              <a:t>2020/7/5</a:t>
             </a:fld>
             <a:endParaRPr kumimoji="1" lang="ja-JP" altLang="en-US"/>
           </a:p>
@@ -1504,7 +1504,7 @@
           <a:p>
             <a:fld id="{FB9783C9-F0FE-448E-99D6-F35CA53B7A08}" type="datetimeFigureOut">
               <a:rPr kumimoji="1" lang="ja-JP" altLang="en-US" smtClean="0"/>
-              <a:t>2020/6/21</a:t>
+              <a:t>2020/7/5</a:t>
             </a:fld>
             <a:endParaRPr kumimoji="1" lang="ja-JP" altLang="en-US"/>
           </a:p>
@@ -1990,7 +1990,7 @@
           <a:p>
             <a:fld id="{FB9783C9-F0FE-448E-99D6-F35CA53B7A08}" type="datetimeFigureOut">
               <a:rPr kumimoji="1" lang="ja-JP" altLang="en-US" smtClean="0"/>
-              <a:t>2020/6/21</a:t>
+              <a:t>2020/7/5</a:t>
             </a:fld>
             <a:endParaRPr kumimoji="1" lang="ja-JP" altLang="en-US"/>
           </a:p>
@@ -2108,7 +2108,7 @@
           <a:p>
             <a:fld id="{FB9783C9-F0FE-448E-99D6-F35CA53B7A08}" type="datetimeFigureOut">
               <a:rPr kumimoji="1" lang="ja-JP" altLang="en-US" smtClean="0"/>
-              <a:t>2020/6/21</a:t>
+              <a:t>2020/7/5</a:t>
             </a:fld>
             <a:endParaRPr kumimoji="1" lang="ja-JP" altLang="en-US"/>
           </a:p>
@@ -2203,7 +2203,7 @@
           <a:p>
             <a:fld id="{FB9783C9-F0FE-448E-99D6-F35CA53B7A08}" type="datetimeFigureOut">
               <a:rPr kumimoji="1" lang="ja-JP" altLang="en-US" smtClean="0"/>
-              <a:t>2020/6/21</a:t>
+              <a:t>2020/7/5</a:t>
             </a:fld>
             <a:endParaRPr kumimoji="1" lang="ja-JP" altLang="en-US"/>
           </a:p>
@@ -2512,7 +2512,7 @@
           <a:p>
             <a:fld id="{FB9783C9-F0FE-448E-99D6-F35CA53B7A08}" type="datetimeFigureOut">
               <a:rPr kumimoji="1" lang="ja-JP" altLang="en-US" smtClean="0"/>
-              <a:t>2020/6/21</a:t>
+              <a:t>2020/7/5</a:t>
             </a:fld>
             <a:endParaRPr kumimoji="1" lang="ja-JP" altLang="en-US"/>
           </a:p>
@@ -2765,7 +2765,7 @@
           <a:p>
             <a:fld id="{FB9783C9-F0FE-448E-99D6-F35CA53B7A08}" type="datetimeFigureOut">
               <a:rPr kumimoji="1" lang="ja-JP" altLang="en-US" smtClean="0"/>
-              <a:t>2020/6/21</a:t>
+              <a:t>2020/7/5</a:t>
             </a:fld>
             <a:endParaRPr kumimoji="1" lang="ja-JP" altLang="en-US"/>
           </a:p>
@@ -3010,7 +3010,7 @@
           <a:p>
             <a:fld id="{FB9783C9-F0FE-448E-99D6-F35CA53B7A08}" type="datetimeFigureOut">
               <a:rPr kumimoji="1" lang="ja-JP" altLang="en-US" smtClean="0"/>
-              <a:t>2020/6/21</a:t>
+              <a:t>2020/7/5</a:t>
             </a:fld>
             <a:endParaRPr kumimoji="1" lang="ja-JP" altLang="en-US"/>
           </a:p>
@@ -3387,52 +3387,6 @@
       </p:grpSpPr>
       <p:sp>
         <p:nvSpPr>
-          <p:cNvPr id="2" name="正方形/長方形 1"/>
-          <p:cNvSpPr/>
-          <p:nvPr/>
-        </p:nvSpPr>
-        <p:spPr>
-          <a:xfrm>
-            <a:off x="0" y="260648"/>
-            <a:ext cx="8604448" cy="5543252"/>
-          </a:xfrm>
-          <a:prstGeom prst="rect">
-            <a:avLst/>
-          </a:prstGeom>
-          <a:solidFill>
-            <a:srgbClr val="FF0000"/>
-          </a:solidFill>
-          <a:ln>
-            <a:noFill/>
-          </a:ln>
-        </p:spPr>
-        <p:style>
-          <a:lnRef idx="2">
-            <a:schemeClr val="accent1">
-              <a:shade val="50000"/>
-            </a:schemeClr>
-          </a:lnRef>
-          <a:fillRef idx="1">
-            <a:schemeClr val="accent1"/>
-          </a:fillRef>
-          <a:effectRef idx="0">
-            <a:schemeClr val="accent1"/>
-          </a:effectRef>
-          <a:fontRef idx="minor">
-            <a:schemeClr val="lt1"/>
-          </a:fontRef>
-        </p:style>
-        <p:txBody>
-          <a:bodyPr rtlCol="0" anchor="ctr"/>
-          <a:lstStyle/>
-          <a:p>
-            <a:pPr algn="ctr"/>
-            <a:endParaRPr kumimoji="1" lang="ja-JP" altLang="en-US"/>
-          </a:p>
-        </p:txBody>
-      </p:sp>
-      <p:sp>
-        <p:nvSpPr>
           <p:cNvPr id="23" name="角丸四角形 22"/>
           <p:cNvSpPr/>
           <p:nvPr/>
@@ -4025,52 +3979,6 @@
       </p:grpSpPr>
       <p:sp>
         <p:nvSpPr>
-          <p:cNvPr id="19" name="正方形/長方形 18"/>
-          <p:cNvSpPr/>
-          <p:nvPr/>
-        </p:nvSpPr>
-        <p:spPr>
-          <a:xfrm>
-            <a:off x="0" y="260648"/>
-            <a:ext cx="8604448" cy="5976664"/>
-          </a:xfrm>
-          <a:prstGeom prst="rect">
-            <a:avLst/>
-          </a:prstGeom>
-          <a:solidFill>
-            <a:srgbClr val="FF0000"/>
-          </a:solidFill>
-          <a:ln>
-            <a:noFill/>
-          </a:ln>
-        </p:spPr>
-        <p:style>
-          <a:lnRef idx="2">
-            <a:schemeClr val="accent1">
-              <a:shade val="50000"/>
-            </a:schemeClr>
-          </a:lnRef>
-          <a:fillRef idx="1">
-            <a:schemeClr val="accent1"/>
-          </a:fillRef>
-          <a:effectRef idx="0">
-            <a:schemeClr val="accent1"/>
-          </a:effectRef>
-          <a:fontRef idx="minor">
-            <a:schemeClr val="lt1"/>
-          </a:fontRef>
-        </p:style>
-        <p:txBody>
-          <a:bodyPr rtlCol="0" anchor="ctr"/>
-          <a:lstStyle/>
-          <a:p>
-            <a:pPr algn="ctr"/>
-            <a:endParaRPr kumimoji="1" lang="ja-JP" altLang="en-US"/>
-          </a:p>
-        </p:txBody>
-      </p:sp>
-      <p:sp>
-        <p:nvSpPr>
           <p:cNvPr id="23" name="角丸四角形 22"/>
           <p:cNvSpPr/>
           <p:nvPr/>
@@ -5161,52 +5069,6 @@
           <a:chExt cx="0" cy="0"/>
         </a:xfrm>
       </p:grpSpPr>
-      <p:sp>
-        <p:nvSpPr>
-          <p:cNvPr id="27" name="正方形/長方形 26"/>
-          <p:cNvSpPr/>
-          <p:nvPr/>
-        </p:nvSpPr>
-        <p:spPr>
-          <a:xfrm>
-            <a:off x="0" y="260648"/>
-            <a:ext cx="8604448" cy="5543252"/>
-          </a:xfrm>
-          <a:prstGeom prst="rect">
-            <a:avLst/>
-          </a:prstGeom>
-          <a:solidFill>
-            <a:srgbClr val="FF0000"/>
-          </a:solidFill>
-          <a:ln>
-            <a:noFill/>
-          </a:ln>
-        </p:spPr>
-        <p:style>
-          <a:lnRef idx="2">
-            <a:schemeClr val="accent1">
-              <a:shade val="50000"/>
-            </a:schemeClr>
-          </a:lnRef>
-          <a:fillRef idx="1">
-            <a:schemeClr val="accent1"/>
-          </a:fillRef>
-          <a:effectRef idx="0">
-            <a:schemeClr val="accent1"/>
-          </a:effectRef>
-          <a:fontRef idx="minor">
-            <a:schemeClr val="lt1"/>
-          </a:fontRef>
-        </p:style>
-        <p:txBody>
-          <a:bodyPr rtlCol="0" anchor="ctr"/>
-          <a:lstStyle/>
-          <a:p>
-            <a:pPr algn="ctr"/>
-            <a:endParaRPr kumimoji="1" lang="ja-JP" altLang="en-US"/>
-          </a:p>
-        </p:txBody>
-      </p:sp>
       <p:sp>
         <p:nvSpPr>
           <p:cNvPr id="23" name="角丸四角形 22"/>
